--- a/Characters/Character Sheet Template Multiclass.pptx
+++ b/Characters/Character Sheet Template Multiclass.pptx
@@ -243,7 +243,7 @@
           <a:p>
             <a:fld id="{0B4D85F4-ACAB-4D02-9EB8-5027950E88E8}" type="datetimeFigureOut">
               <a:rPr lang="de-AT" smtClean="0"/>
-              <a:t>23.11.2016</a:t>
+              <a:t>28.11.2016</a:t>
             </a:fld>
             <a:endParaRPr lang="de-AT"/>
           </a:p>
@@ -413,7 +413,7 @@
           <a:p>
             <a:fld id="{0B4D85F4-ACAB-4D02-9EB8-5027950E88E8}" type="datetimeFigureOut">
               <a:rPr lang="de-AT" smtClean="0"/>
-              <a:t>23.11.2016</a:t>
+              <a:t>28.11.2016</a:t>
             </a:fld>
             <a:endParaRPr lang="de-AT"/>
           </a:p>
@@ -593,7 +593,7 @@
           <a:p>
             <a:fld id="{0B4D85F4-ACAB-4D02-9EB8-5027950E88E8}" type="datetimeFigureOut">
               <a:rPr lang="de-AT" smtClean="0"/>
-              <a:t>23.11.2016</a:t>
+              <a:t>28.11.2016</a:t>
             </a:fld>
             <a:endParaRPr lang="de-AT"/>
           </a:p>
@@ -763,7 +763,7 @@
           <a:p>
             <a:fld id="{0B4D85F4-ACAB-4D02-9EB8-5027950E88E8}" type="datetimeFigureOut">
               <a:rPr lang="de-AT" smtClean="0"/>
-              <a:t>23.11.2016</a:t>
+              <a:t>28.11.2016</a:t>
             </a:fld>
             <a:endParaRPr lang="de-AT"/>
           </a:p>
@@ -1007,7 +1007,7 @@
           <a:p>
             <a:fld id="{0B4D85F4-ACAB-4D02-9EB8-5027950E88E8}" type="datetimeFigureOut">
               <a:rPr lang="de-AT" smtClean="0"/>
-              <a:t>23.11.2016</a:t>
+              <a:t>28.11.2016</a:t>
             </a:fld>
             <a:endParaRPr lang="de-AT"/>
           </a:p>
@@ -1239,7 +1239,7 @@
           <a:p>
             <a:fld id="{0B4D85F4-ACAB-4D02-9EB8-5027950E88E8}" type="datetimeFigureOut">
               <a:rPr lang="de-AT" smtClean="0"/>
-              <a:t>23.11.2016</a:t>
+              <a:t>28.11.2016</a:t>
             </a:fld>
             <a:endParaRPr lang="de-AT"/>
           </a:p>
@@ -1606,7 +1606,7 @@
           <a:p>
             <a:fld id="{0B4D85F4-ACAB-4D02-9EB8-5027950E88E8}" type="datetimeFigureOut">
               <a:rPr lang="de-AT" smtClean="0"/>
-              <a:t>23.11.2016</a:t>
+              <a:t>28.11.2016</a:t>
             </a:fld>
             <a:endParaRPr lang="de-AT"/>
           </a:p>
@@ -1724,7 +1724,7 @@
           <a:p>
             <a:fld id="{0B4D85F4-ACAB-4D02-9EB8-5027950E88E8}" type="datetimeFigureOut">
               <a:rPr lang="de-AT" smtClean="0"/>
-              <a:t>23.11.2016</a:t>
+              <a:t>28.11.2016</a:t>
             </a:fld>
             <a:endParaRPr lang="de-AT"/>
           </a:p>
@@ -1819,7 +1819,7 @@
           <a:p>
             <a:fld id="{0B4D85F4-ACAB-4D02-9EB8-5027950E88E8}" type="datetimeFigureOut">
               <a:rPr lang="de-AT" smtClean="0"/>
-              <a:t>23.11.2016</a:t>
+              <a:t>28.11.2016</a:t>
             </a:fld>
             <a:endParaRPr lang="de-AT"/>
           </a:p>
@@ -2096,7 +2096,7 @@
           <a:p>
             <a:fld id="{0B4D85F4-ACAB-4D02-9EB8-5027950E88E8}" type="datetimeFigureOut">
               <a:rPr lang="de-AT" smtClean="0"/>
-              <a:t>23.11.2016</a:t>
+              <a:t>28.11.2016</a:t>
             </a:fld>
             <a:endParaRPr lang="de-AT"/>
           </a:p>
@@ -2353,7 +2353,7 @@
           <a:p>
             <a:fld id="{0B4D85F4-ACAB-4D02-9EB8-5027950E88E8}" type="datetimeFigureOut">
               <a:rPr lang="de-AT" smtClean="0"/>
-              <a:t>23.11.2016</a:t>
+              <a:t>28.11.2016</a:t>
             </a:fld>
             <a:endParaRPr lang="de-AT"/>
           </a:p>
@@ -2566,7 +2566,7 @@
           <a:p>
             <a:fld id="{0B4D85F4-ACAB-4D02-9EB8-5027950E88E8}" type="datetimeFigureOut">
               <a:rPr lang="de-AT" smtClean="0"/>
-              <a:t>23.11.2016</a:t>
+              <a:t>28.11.2016</a:t>
             </a:fld>
             <a:endParaRPr lang="de-AT"/>
           </a:p>
@@ -5395,8 +5395,8 @@
         </p:nvSpPr>
         <p:spPr>
           <a:xfrm>
-            <a:off x="1060483" y="4569724"/>
-            <a:ext cx="780983" cy="261610"/>
+            <a:off x="337503" y="4569724"/>
+            <a:ext cx="2208847" cy="261610"/>
           </a:xfrm>
           <a:prstGeom prst="rect">
             <a:avLst/>
@@ -5404,11 +5404,12 @@
           <a:noFill/>
         </p:spPr>
         <p:txBody>
-          <a:bodyPr wrap="none" rtlCol="0">
+          <a:bodyPr wrap="square" rtlCol="0">
             <a:spAutoFit/>
           </a:bodyPr>
           <a:lstStyle/>
           <a:p>
+            <a:pPr algn="ctr"/>
             <a:r>
               <a:rPr lang="en-US" sz="1050" dirty="0">
                 <a:latin typeface="Amaranth" panose="02000503050000020004" pitchFamily="50" charset="0"/>
@@ -6137,8 +6138,8 @@
         </p:nvSpPr>
         <p:spPr>
           <a:xfrm>
-            <a:off x="3598174" y="4569724"/>
-            <a:ext cx="780983" cy="261610"/>
+            <a:off x="2875194" y="4569724"/>
+            <a:ext cx="2208847" cy="261610"/>
           </a:xfrm>
           <a:prstGeom prst="rect">
             <a:avLst/>
@@ -6146,11 +6147,12 @@
           <a:noFill/>
         </p:spPr>
         <p:txBody>
-          <a:bodyPr wrap="none" rtlCol="0">
+          <a:bodyPr wrap="square" rtlCol="0">
             <a:spAutoFit/>
           </a:bodyPr>
           <a:lstStyle/>
           <a:p>
+            <a:pPr algn="ctr"/>
             <a:r>
               <a:rPr lang="en-US" sz="1050" dirty="0">
                 <a:latin typeface="Amaranth" panose="02000503050000020004" pitchFamily="50" charset="0"/>
@@ -7156,7 +7158,7 @@
           </a:p>
           <a:p>
             <a:r>
-              <a:rPr lang="en-US" sz="1050" dirty="0">
+              <a:rPr lang="en-US" sz="800" dirty="0">
                 <a:solidFill>
                   <a:schemeClr val="tx1"/>
                 </a:solidFill>
@@ -7164,7 +7166,7 @@
               </a:rPr>
               <a:t>Notes</a:t>
             </a:r>
-            <a:endParaRPr lang="de-AT" sz="1050" dirty="0">
+            <a:endParaRPr lang="de-AT" sz="800" dirty="0">
               <a:solidFill>
                 <a:schemeClr val="tx1"/>
               </a:solidFill>

--- a/Characters/Character Sheet Template Multiclass.pptx
+++ b/Characters/Character Sheet Template Multiclass.pptx
@@ -243,7 +243,7 @@
           <a:p>
             <a:fld id="{0B4D85F4-ACAB-4D02-9EB8-5027950E88E8}" type="datetimeFigureOut">
               <a:rPr lang="de-AT" smtClean="0"/>
-              <a:t>28.11.2016</a:t>
+              <a:t>22.01.2017</a:t>
             </a:fld>
             <a:endParaRPr lang="de-AT"/>
           </a:p>
@@ -413,7 +413,7 @@
           <a:p>
             <a:fld id="{0B4D85F4-ACAB-4D02-9EB8-5027950E88E8}" type="datetimeFigureOut">
               <a:rPr lang="de-AT" smtClean="0"/>
-              <a:t>28.11.2016</a:t>
+              <a:t>22.01.2017</a:t>
             </a:fld>
             <a:endParaRPr lang="de-AT"/>
           </a:p>
@@ -593,7 +593,7 @@
           <a:p>
             <a:fld id="{0B4D85F4-ACAB-4D02-9EB8-5027950E88E8}" type="datetimeFigureOut">
               <a:rPr lang="de-AT" smtClean="0"/>
-              <a:t>28.11.2016</a:t>
+              <a:t>22.01.2017</a:t>
             </a:fld>
             <a:endParaRPr lang="de-AT"/>
           </a:p>
@@ -763,7 +763,7 @@
           <a:p>
             <a:fld id="{0B4D85F4-ACAB-4D02-9EB8-5027950E88E8}" type="datetimeFigureOut">
               <a:rPr lang="de-AT" smtClean="0"/>
-              <a:t>28.11.2016</a:t>
+              <a:t>22.01.2017</a:t>
             </a:fld>
             <a:endParaRPr lang="de-AT"/>
           </a:p>
@@ -1007,7 +1007,7 @@
           <a:p>
             <a:fld id="{0B4D85F4-ACAB-4D02-9EB8-5027950E88E8}" type="datetimeFigureOut">
               <a:rPr lang="de-AT" smtClean="0"/>
-              <a:t>28.11.2016</a:t>
+              <a:t>22.01.2017</a:t>
             </a:fld>
             <a:endParaRPr lang="de-AT"/>
           </a:p>
@@ -1239,7 +1239,7 @@
           <a:p>
             <a:fld id="{0B4D85F4-ACAB-4D02-9EB8-5027950E88E8}" type="datetimeFigureOut">
               <a:rPr lang="de-AT" smtClean="0"/>
-              <a:t>28.11.2016</a:t>
+              <a:t>22.01.2017</a:t>
             </a:fld>
             <a:endParaRPr lang="de-AT"/>
           </a:p>
@@ -1606,7 +1606,7 @@
           <a:p>
             <a:fld id="{0B4D85F4-ACAB-4D02-9EB8-5027950E88E8}" type="datetimeFigureOut">
               <a:rPr lang="de-AT" smtClean="0"/>
-              <a:t>28.11.2016</a:t>
+              <a:t>22.01.2017</a:t>
             </a:fld>
             <a:endParaRPr lang="de-AT"/>
           </a:p>
@@ -1724,7 +1724,7 @@
           <a:p>
             <a:fld id="{0B4D85F4-ACAB-4D02-9EB8-5027950E88E8}" type="datetimeFigureOut">
               <a:rPr lang="de-AT" smtClean="0"/>
-              <a:t>28.11.2016</a:t>
+              <a:t>22.01.2017</a:t>
             </a:fld>
             <a:endParaRPr lang="de-AT"/>
           </a:p>
@@ -1819,7 +1819,7 @@
           <a:p>
             <a:fld id="{0B4D85F4-ACAB-4D02-9EB8-5027950E88E8}" type="datetimeFigureOut">
               <a:rPr lang="de-AT" smtClean="0"/>
-              <a:t>28.11.2016</a:t>
+              <a:t>22.01.2017</a:t>
             </a:fld>
             <a:endParaRPr lang="de-AT"/>
           </a:p>
@@ -2096,7 +2096,7 @@
           <a:p>
             <a:fld id="{0B4D85F4-ACAB-4D02-9EB8-5027950E88E8}" type="datetimeFigureOut">
               <a:rPr lang="de-AT" smtClean="0"/>
-              <a:t>28.11.2016</a:t>
+              <a:t>22.01.2017</a:t>
             </a:fld>
             <a:endParaRPr lang="de-AT"/>
           </a:p>
@@ -2353,7 +2353,7 @@
           <a:p>
             <a:fld id="{0B4D85F4-ACAB-4D02-9EB8-5027950E88E8}" type="datetimeFigureOut">
               <a:rPr lang="de-AT" smtClean="0"/>
-              <a:t>28.11.2016</a:t>
+              <a:t>22.01.2017</a:t>
             </a:fld>
             <a:endParaRPr lang="de-AT"/>
           </a:p>
@@ -2566,7 +2566,7 @@
           <a:p>
             <a:fld id="{0B4D85F4-ACAB-4D02-9EB8-5027950E88E8}" type="datetimeFigureOut">
               <a:rPr lang="de-AT" smtClean="0"/>
-              <a:t>28.11.2016</a:t>
+              <a:t>22.01.2017</a:t>
             </a:fld>
             <a:endParaRPr lang="de-AT"/>
           </a:p>
@@ -3703,7 +3703,7 @@
           <p:nvPr>
             <p:extLst>
               <p:ext uri="{D42A27DB-BD31-4B8C-83A1-F6EECF244321}">
-                <p14:modId xmlns:p14="http://schemas.microsoft.com/office/powerpoint/2010/main" val="2635722330"/>
+                <p14:modId xmlns:p14="http://schemas.microsoft.com/office/powerpoint/2010/main" val="3931792813"/>
               </p:ext>
             </p:extLst>
           </p:nvPr>
@@ -3759,10 +3759,10 @@
                         <a:rPr lang="en-US" sz="1100" dirty="0">
                           <a:effectLst/>
                           <a:latin typeface="Amaranth" panose="02000503050000020004" pitchFamily="50" charset="0"/>
-                          <a:ea typeface="+mn-ea"/>
-                          <a:cs typeface="+mn-cs"/>
+                          <a:ea typeface="DengXian" panose="02010600030101010101" pitchFamily="2" charset="-122"/>
+                          <a:cs typeface="Times New Roman" panose="02020603050405020304" pitchFamily="18" charset="0"/>
                         </a:rPr>
-                        <a:t>4</a:t>
+                        <a:t>6</a:t>
                       </a:r>
                       <a:endParaRPr lang="de-AT" sz="1100" dirty="0">
                         <a:effectLst/>
@@ -6913,52 +6913,6 @@
       </p:sp>
       <p:sp>
         <p:nvSpPr>
-          <p:cNvPr id="30" name="TextBox 29"/>
-          <p:cNvSpPr txBox="1"/>
-          <p:nvPr/>
-        </p:nvSpPr>
-        <p:spPr>
-          <a:xfrm>
-            <a:off x="2248791" y="3098800"/>
-            <a:ext cx="367408" cy="253916"/>
-          </a:xfrm>
-          <a:prstGeom prst="rect">
-            <a:avLst/>
-          </a:prstGeom>
-          <a:noFill/>
-        </p:spPr>
-        <p:txBody>
-          <a:bodyPr wrap="none" rtlCol="0">
-            <a:spAutoFit/>
-          </a:bodyPr>
-          <a:lstStyle/>
-          <a:p>
-            <a:r>
-              <a:rPr lang="en-US" sz="1050" dirty="0">
-                <a:solidFill>
-                  <a:schemeClr val="tx1">
-                    <a:lumMod val="65000"/>
-                    <a:lumOff val="35000"/>
-                  </a:schemeClr>
-                </a:solidFill>
-                <a:latin typeface="Agency FB" panose="020B0503020202020204" pitchFamily="34" charset="0"/>
-              </a:rPr>
-              <a:t>x GP</a:t>
-            </a:r>
-            <a:endParaRPr lang="de-AT" sz="1050" dirty="0">
-              <a:solidFill>
-                <a:schemeClr val="tx1">
-                  <a:lumMod val="65000"/>
-                  <a:lumOff val="35000"/>
-                </a:schemeClr>
-              </a:solidFill>
-              <a:latin typeface="Agency FB" panose="020B0503020202020204" pitchFamily="34" charset="0"/>
-            </a:endParaRPr>
-          </a:p>
-        </p:txBody>
-      </p:sp>
-      <p:sp>
-        <p:nvSpPr>
           <p:cNvPr id="31" name="Rectangle 30"/>
           <p:cNvSpPr/>
           <p:nvPr/>
@@ -7039,52 +6993,6 @@
                 <a:schemeClr val="tx1"/>
               </a:solidFill>
               <a:latin typeface="Corbel" panose="020B0503020204020204" pitchFamily="34" charset="0"/>
-            </a:endParaRPr>
-          </a:p>
-        </p:txBody>
-      </p:sp>
-      <p:sp>
-        <p:nvSpPr>
-          <p:cNvPr id="32" name="TextBox 31"/>
-          <p:cNvSpPr txBox="1"/>
-          <p:nvPr/>
-        </p:nvSpPr>
-        <p:spPr>
-          <a:xfrm>
-            <a:off x="4776380" y="3098800"/>
-            <a:ext cx="377510" cy="253916"/>
-          </a:xfrm>
-          <a:prstGeom prst="rect">
-            <a:avLst/>
-          </a:prstGeom>
-          <a:noFill/>
-        </p:spPr>
-        <p:txBody>
-          <a:bodyPr wrap="square" rtlCol="0">
-            <a:spAutoFit/>
-          </a:bodyPr>
-          <a:lstStyle/>
-          <a:p>
-            <a:r>
-              <a:rPr lang="en-US" sz="1050" dirty="0">
-                <a:solidFill>
-                  <a:schemeClr val="tx1">
-                    <a:lumMod val="65000"/>
-                    <a:lumOff val="35000"/>
-                  </a:schemeClr>
-                </a:solidFill>
-                <a:latin typeface="Agency FB" panose="020B0503020202020204" pitchFamily="34" charset="0"/>
-              </a:rPr>
-              <a:t>x GP</a:t>
-            </a:r>
-            <a:endParaRPr lang="de-AT" sz="1050" dirty="0">
-              <a:solidFill>
-                <a:schemeClr val="tx1">
-                  <a:lumMod val="65000"/>
-                  <a:lumOff val="35000"/>
-                </a:schemeClr>
-              </a:solidFill>
-              <a:latin typeface="Agency FB" panose="020B0503020202020204" pitchFamily="34" charset="0"/>
             </a:endParaRPr>
           </a:p>
         </p:txBody>
